--- a/Диплом.pptx
+++ b/Диплом.pptx
@@ -15,6 +15,8 @@
     <p:sldId id="263" r:id="rId9"/>
     <p:sldId id="264" r:id="rId10"/>
     <p:sldId id="265" r:id="rId11"/>
+    <p:sldId id="266" r:id="rId12"/>
+    <p:sldId id="267" r:id="rId13"/>
   </p:sldIdLst>
   <p:sldSz cx="9144000" cy="6858000" type="screen4x3"/>
   <p:notesSz cx="6858000" cy="9144000"/>
@@ -128,6 +130,8 @@
             <p14:sldId id="263"/>
             <p14:sldId id="264"/>
             <p14:sldId id="265"/>
+            <p14:sldId id="266"/>
+            <p14:sldId id="267"/>
           </p14:sldIdLst>
         </p14:section>
       </p14:sectionLst>
@@ -3635,7 +3639,6 @@
               <a:rPr lang="ru-RU" sz="1600" dirty="0" smtClean="0"/>
               <a:t>2016</a:t>
             </a:r>
-            <a:endParaRPr lang="ru-RU" sz="1600" dirty="0" smtClean="0"/>
           </a:p>
         </p:txBody>
       </p:sp>
@@ -3691,7 +3694,11 @@
           <a:bodyPr/>
           <a:lstStyle/>
           <a:p>
-            <a:endParaRPr lang="ru-RU"/>
+            <a:r>
+              <a:rPr lang="ru-RU" dirty="0" smtClean="0"/>
+              <a:t>Генерация пароля</a:t>
+            </a:r>
+            <a:endParaRPr lang="ru-RU" dirty="0"/>
           </a:p>
         </p:txBody>
       </p:sp>
@@ -3705,12 +3712,242 @@
             <p:ph idx="1"/>
           </p:nvPr>
         </p:nvSpPr>
-        <p:spPr/>
+        <p:spPr>
+          <a:xfrm>
+            <a:off x="457200" y="1600200"/>
+            <a:ext cx="4402832" cy="4781128"/>
+          </a:xfrm>
+        </p:spPr>
         <p:txBody>
-          <a:bodyPr/>
+          <a:bodyPr>
+            <a:normAutofit fontScale="85000" lnSpcReduction="10000"/>
+          </a:bodyPr>
           <a:lstStyle/>
           <a:p>
-            <a:endParaRPr lang="ru-RU"/>
+            <a:r>
+              <a:rPr lang="ru-RU" dirty="0" smtClean="0"/>
+              <a:t>Данный функционал позволяет пользователю сгенерировать пароль заданной длины. </a:t>
+            </a:r>
+            <a:r>
+              <a:rPr lang="ru-RU" dirty="0" smtClean="0"/>
+              <a:t>Генерация пароля происходит посимвольно, символы генерируются независимо друг от друга, для генерации каждого символа используется ГСЧ. </a:t>
+            </a:r>
+            <a:endParaRPr lang="ru-RU" dirty="0" smtClean="0"/>
+          </a:p>
+        </p:txBody>
+      </p:sp>
+      <p:sp>
+        <p:nvSpPr>
+          <p:cNvPr id="4" name="Объект 2"/>
+          <p:cNvSpPr txBox="1">
+            <a:spLocks/>
+          </p:cNvSpPr>
+          <p:nvPr/>
+        </p:nvSpPr>
+        <p:spPr>
+          <a:xfrm>
+            <a:off x="5436096" y="1412776"/>
+            <a:ext cx="2520280" cy="4781128"/>
+          </a:xfrm>
+          <a:prstGeom prst="rect">
+            <a:avLst/>
+          </a:prstGeom>
+          <a:solidFill>
+            <a:schemeClr val="accent1"/>
+          </a:solidFill>
+        </p:spPr>
+        <p:txBody>
+          <a:bodyPr vert="horz" lIns="91440" tIns="45720" rIns="91440" bIns="45720" rtlCol="0">
+            <a:normAutofit/>
+          </a:bodyPr>
+          <a:lstStyle>
+            <a:lvl1pPr marL="342900" indent="-342900" algn="l" defTabSz="914400" rtl="0" eaLnBrk="1" latinLnBrk="0" hangingPunct="1">
+              <a:spcBef>
+                <a:spcPct val="20000"/>
+              </a:spcBef>
+              <a:buFont typeface="Arial" pitchFamily="34" charset="0"/>
+              <a:buChar char="•"/>
+              <a:defRPr sz="3200" kern="1200">
+                <a:solidFill>
+                  <a:schemeClr val="tx1"/>
+                </a:solidFill>
+                <a:latin typeface="+mn-lt"/>
+                <a:ea typeface="+mn-ea"/>
+                <a:cs typeface="+mn-cs"/>
+              </a:defRPr>
+            </a:lvl1pPr>
+            <a:lvl2pPr marL="742950" indent="-285750" algn="l" defTabSz="914400" rtl="0" eaLnBrk="1" latinLnBrk="0" hangingPunct="1">
+              <a:spcBef>
+                <a:spcPct val="20000"/>
+              </a:spcBef>
+              <a:buFont typeface="Arial" pitchFamily="34" charset="0"/>
+              <a:buChar char="–"/>
+              <a:defRPr sz="2800" kern="1200">
+                <a:solidFill>
+                  <a:schemeClr val="tx1"/>
+                </a:solidFill>
+                <a:latin typeface="+mn-lt"/>
+                <a:ea typeface="+mn-ea"/>
+                <a:cs typeface="+mn-cs"/>
+              </a:defRPr>
+            </a:lvl2pPr>
+            <a:lvl3pPr marL="1143000" indent="-228600" algn="l" defTabSz="914400" rtl="0" eaLnBrk="1" latinLnBrk="0" hangingPunct="1">
+              <a:spcBef>
+                <a:spcPct val="20000"/>
+              </a:spcBef>
+              <a:buFont typeface="Arial" pitchFamily="34" charset="0"/>
+              <a:buChar char="•"/>
+              <a:defRPr sz="2400" kern="1200">
+                <a:solidFill>
+                  <a:schemeClr val="tx1"/>
+                </a:solidFill>
+                <a:latin typeface="+mn-lt"/>
+                <a:ea typeface="+mn-ea"/>
+                <a:cs typeface="+mn-cs"/>
+              </a:defRPr>
+            </a:lvl3pPr>
+            <a:lvl4pPr marL="1600200" indent="-228600" algn="l" defTabSz="914400" rtl="0" eaLnBrk="1" latinLnBrk="0" hangingPunct="1">
+              <a:spcBef>
+                <a:spcPct val="20000"/>
+              </a:spcBef>
+              <a:buFont typeface="Arial" pitchFamily="34" charset="0"/>
+              <a:buChar char="–"/>
+              <a:defRPr sz="2000" kern="1200">
+                <a:solidFill>
+                  <a:schemeClr val="tx1"/>
+                </a:solidFill>
+                <a:latin typeface="+mn-lt"/>
+                <a:ea typeface="+mn-ea"/>
+                <a:cs typeface="+mn-cs"/>
+              </a:defRPr>
+            </a:lvl4pPr>
+            <a:lvl5pPr marL="2057400" indent="-228600" algn="l" defTabSz="914400" rtl="0" eaLnBrk="1" latinLnBrk="0" hangingPunct="1">
+              <a:spcBef>
+                <a:spcPct val="20000"/>
+              </a:spcBef>
+              <a:buFont typeface="Arial" pitchFamily="34" charset="0"/>
+              <a:buChar char="»"/>
+              <a:defRPr sz="2000" kern="1200">
+                <a:solidFill>
+                  <a:schemeClr val="tx1"/>
+                </a:solidFill>
+                <a:latin typeface="+mn-lt"/>
+                <a:ea typeface="+mn-ea"/>
+                <a:cs typeface="+mn-cs"/>
+              </a:defRPr>
+            </a:lvl5pPr>
+            <a:lvl6pPr marL="2514600" indent="-228600" algn="l" defTabSz="914400" rtl="0" eaLnBrk="1" latinLnBrk="0" hangingPunct="1">
+              <a:spcBef>
+                <a:spcPct val="20000"/>
+              </a:spcBef>
+              <a:buFont typeface="Arial" pitchFamily="34" charset="0"/>
+              <a:buChar char="•"/>
+              <a:defRPr sz="2000" kern="1200">
+                <a:solidFill>
+                  <a:schemeClr val="tx1"/>
+                </a:solidFill>
+                <a:latin typeface="+mn-lt"/>
+                <a:ea typeface="+mn-ea"/>
+                <a:cs typeface="+mn-cs"/>
+              </a:defRPr>
+            </a:lvl6pPr>
+            <a:lvl7pPr marL="2971800" indent="-228600" algn="l" defTabSz="914400" rtl="0" eaLnBrk="1" latinLnBrk="0" hangingPunct="1">
+              <a:spcBef>
+                <a:spcPct val="20000"/>
+              </a:spcBef>
+              <a:buFont typeface="Arial" pitchFamily="34" charset="0"/>
+              <a:buChar char="•"/>
+              <a:defRPr sz="2000" kern="1200">
+                <a:solidFill>
+                  <a:schemeClr val="tx1"/>
+                </a:solidFill>
+                <a:latin typeface="+mn-lt"/>
+                <a:ea typeface="+mn-ea"/>
+                <a:cs typeface="+mn-cs"/>
+              </a:defRPr>
+            </a:lvl7pPr>
+            <a:lvl8pPr marL="3429000" indent="-228600" algn="l" defTabSz="914400" rtl="0" eaLnBrk="1" latinLnBrk="0" hangingPunct="1">
+              <a:spcBef>
+                <a:spcPct val="20000"/>
+              </a:spcBef>
+              <a:buFont typeface="Arial" pitchFamily="34" charset="0"/>
+              <a:buChar char="•"/>
+              <a:defRPr sz="2000" kern="1200">
+                <a:solidFill>
+                  <a:schemeClr val="tx1"/>
+                </a:solidFill>
+                <a:latin typeface="+mn-lt"/>
+                <a:ea typeface="+mn-ea"/>
+                <a:cs typeface="+mn-cs"/>
+              </a:defRPr>
+            </a:lvl8pPr>
+            <a:lvl9pPr marL="3886200" indent="-228600" algn="l" defTabSz="914400" rtl="0" eaLnBrk="1" latinLnBrk="0" hangingPunct="1">
+              <a:spcBef>
+                <a:spcPct val="20000"/>
+              </a:spcBef>
+              <a:buFont typeface="Arial" pitchFamily="34" charset="0"/>
+              <a:buChar char="•"/>
+              <a:defRPr sz="2000" kern="1200">
+                <a:solidFill>
+                  <a:schemeClr val="tx1"/>
+                </a:solidFill>
+                <a:latin typeface="+mn-lt"/>
+                <a:ea typeface="+mn-ea"/>
+                <a:cs typeface="+mn-cs"/>
+              </a:defRPr>
+            </a:lvl9pPr>
+          </a:lstStyle>
+          <a:p>
+            <a:pPr marL="0" indent="0" algn="ctr">
+              <a:buNone/>
+            </a:pPr>
+            <a:endParaRPr lang="ru-RU" dirty="0" smtClean="0"/>
+          </a:p>
+          <a:p>
+            <a:pPr marL="0" indent="0" algn="ctr">
+              <a:buNone/>
+            </a:pPr>
+            <a:r>
+              <a:rPr lang="ru-RU" dirty="0" smtClean="0"/>
+              <a:t>ТУТ</a:t>
+            </a:r>
+          </a:p>
+          <a:p>
+            <a:pPr marL="0" indent="0" algn="ctr">
+              <a:buNone/>
+            </a:pPr>
+            <a:r>
+              <a:rPr lang="ru-RU" dirty="0" smtClean="0"/>
+              <a:t>МОГЛА</a:t>
+            </a:r>
+          </a:p>
+          <a:p>
+            <a:pPr marL="0" indent="0" algn="ctr">
+              <a:buNone/>
+            </a:pPr>
+            <a:r>
+              <a:rPr lang="ru-RU" dirty="0" smtClean="0"/>
+              <a:t>БЫТЬ</a:t>
+            </a:r>
+          </a:p>
+          <a:p>
+            <a:pPr marL="0" indent="0" algn="ctr">
+              <a:buNone/>
+            </a:pPr>
+            <a:r>
+              <a:rPr lang="ru-RU" dirty="0" smtClean="0"/>
+              <a:t>ВАША</a:t>
+            </a:r>
+          </a:p>
+          <a:p>
+            <a:pPr marL="0" indent="0" algn="ctr">
+              <a:buNone/>
+            </a:pPr>
+            <a:r>
+              <a:rPr lang="ru-RU" dirty="0" smtClean="0"/>
+              <a:t>РЕКЛАМА</a:t>
+            </a:r>
+            <a:endParaRPr lang="ru-RU" dirty="0" smtClean="0"/>
           </a:p>
         </p:txBody>
       </p:sp>
@@ -3731,6 +3968,582 @@
       </p:par>
     </p:tnLst>
   </p:timing>
+</p:sld>
+</file>
+
+<file path=ppt/slides/slide11.xml><?xml version="1.0" encoding="utf-8"?>
+<p:sld xmlns:a="http://schemas.openxmlformats.org/drawingml/2006/main" xmlns:r="http://schemas.openxmlformats.org/officeDocument/2006/relationships" xmlns:p="http://schemas.openxmlformats.org/presentationml/2006/main">
+  <p:cSld>
+    <p:spTree>
+      <p:nvGrpSpPr>
+        <p:cNvPr id="1" name=""/>
+        <p:cNvGrpSpPr/>
+        <p:nvPr/>
+      </p:nvGrpSpPr>
+      <p:grpSpPr>
+        <a:xfrm>
+          <a:off x="0" y="0"/>
+          <a:ext cx="0" cy="0"/>
+          <a:chOff x="0" y="0"/>
+          <a:chExt cx="0" cy="0"/>
+        </a:xfrm>
+      </p:grpSpPr>
+      <p:sp>
+        <p:nvSpPr>
+          <p:cNvPr id="2" name="Заголовок 1"/>
+          <p:cNvSpPr>
+            <a:spLocks noGrp="1"/>
+          </p:cNvSpPr>
+          <p:nvPr>
+            <p:ph type="title"/>
+          </p:nvPr>
+        </p:nvSpPr>
+        <p:spPr/>
+        <p:txBody>
+          <a:bodyPr/>
+          <a:lstStyle/>
+          <a:p>
+            <a:r>
+              <a:rPr lang="ru-RU" dirty="0" smtClean="0"/>
+              <a:t>Планируется к реализации</a:t>
+            </a:r>
+            <a:endParaRPr lang="ru-RU" dirty="0"/>
+          </a:p>
+        </p:txBody>
+      </p:sp>
+      <p:sp>
+        <p:nvSpPr>
+          <p:cNvPr id="3" name="Объект 2"/>
+          <p:cNvSpPr>
+            <a:spLocks noGrp="1"/>
+          </p:cNvSpPr>
+          <p:nvPr>
+            <p:ph idx="1"/>
+          </p:nvPr>
+        </p:nvSpPr>
+        <p:spPr>
+          <a:xfrm>
+            <a:off x="457200" y="1600200"/>
+            <a:ext cx="3970784" cy="4853136"/>
+          </a:xfrm>
+        </p:spPr>
+        <p:txBody>
+          <a:bodyPr/>
+          <a:lstStyle/>
+          <a:p>
+            <a:r>
+              <a:rPr lang="ru-RU" dirty="0" smtClean="0"/>
+              <a:t>Полное </a:t>
+            </a:r>
+            <a:r>
+              <a:rPr lang="ru-RU" dirty="0"/>
+              <a:t>з</a:t>
+            </a:r>
+            <a:r>
+              <a:rPr lang="ru-RU" dirty="0" smtClean="0"/>
+              <a:t>атирание исходного файла.</a:t>
+            </a:r>
+          </a:p>
+          <a:p>
+            <a:r>
+              <a:rPr lang="ru-RU" dirty="0" smtClean="0"/>
+              <a:t>Организация хранилища паролей.</a:t>
+            </a:r>
+          </a:p>
+          <a:p>
+            <a:r>
+              <a:rPr lang="ru-RU" dirty="0" smtClean="0"/>
+              <a:t>Интеграция с облачными сервисами.</a:t>
+            </a:r>
+          </a:p>
+          <a:p>
+            <a:endParaRPr lang="ru-RU" dirty="0"/>
+          </a:p>
+        </p:txBody>
+      </p:sp>
+      <p:sp>
+        <p:nvSpPr>
+          <p:cNvPr id="4" name="Объект 2"/>
+          <p:cNvSpPr txBox="1">
+            <a:spLocks/>
+          </p:cNvSpPr>
+          <p:nvPr/>
+        </p:nvSpPr>
+        <p:spPr>
+          <a:xfrm>
+            <a:off x="5652120" y="1484784"/>
+            <a:ext cx="2674640" cy="4925144"/>
+          </a:xfrm>
+          <a:prstGeom prst="rect">
+            <a:avLst/>
+          </a:prstGeom>
+          <a:solidFill>
+            <a:schemeClr val="tx2">
+              <a:lumMod val="40000"/>
+              <a:lumOff val="60000"/>
+            </a:schemeClr>
+          </a:solidFill>
+        </p:spPr>
+        <p:txBody>
+          <a:bodyPr vert="horz" lIns="91440" tIns="45720" rIns="91440" bIns="45720" rtlCol="0">
+            <a:normAutofit/>
+          </a:bodyPr>
+          <a:lstStyle>
+            <a:lvl1pPr marL="342900" indent="-342900" algn="l" defTabSz="914400" rtl="0" eaLnBrk="1" latinLnBrk="0" hangingPunct="1">
+              <a:spcBef>
+                <a:spcPct val="20000"/>
+              </a:spcBef>
+              <a:buFont typeface="Arial" pitchFamily="34" charset="0"/>
+              <a:buChar char="•"/>
+              <a:defRPr sz="3200" kern="1200">
+                <a:solidFill>
+                  <a:schemeClr val="tx1"/>
+                </a:solidFill>
+                <a:latin typeface="+mn-lt"/>
+                <a:ea typeface="+mn-ea"/>
+                <a:cs typeface="+mn-cs"/>
+              </a:defRPr>
+            </a:lvl1pPr>
+            <a:lvl2pPr marL="742950" indent="-285750" algn="l" defTabSz="914400" rtl="0" eaLnBrk="1" latinLnBrk="0" hangingPunct="1">
+              <a:spcBef>
+                <a:spcPct val="20000"/>
+              </a:spcBef>
+              <a:buFont typeface="Arial" pitchFamily="34" charset="0"/>
+              <a:buChar char="–"/>
+              <a:defRPr sz="2800" kern="1200">
+                <a:solidFill>
+                  <a:schemeClr val="tx1"/>
+                </a:solidFill>
+                <a:latin typeface="+mn-lt"/>
+                <a:ea typeface="+mn-ea"/>
+                <a:cs typeface="+mn-cs"/>
+              </a:defRPr>
+            </a:lvl2pPr>
+            <a:lvl3pPr marL="1143000" indent="-228600" algn="l" defTabSz="914400" rtl="0" eaLnBrk="1" latinLnBrk="0" hangingPunct="1">
+              <a:spcBef>
+                <a:spcPct val="20000"/>
+              </a:spcBef>
+              <a:buFont typeface="Arial" pitchFamily="34" charset="0"/>
+              <a:buChar char="•"/>
+              <a:defRPr sz="2400" kern="1200">
+                <a:solidFill>
+                  <a:schemeClr val="tx1"/>
+                </a:solidFill>
+                <a:latin typeface="+mn-lt"/>
+                <a:ea typeface="+mn-ea"/>
+                <a:cs typeface="+mn-cs"/>
+              </a:defRPr>
+            </a:lvl3pPr>
+            <a:lvl4pPr marL="1600200" indent="-228600" algn="l" defTabSz="914400" rtl="0" eaLnBrk="1" latinLnBrk="0" hangingPunct="1">
+              <a:spcBef>
+                <a:spcPct val="20000"/>
+              </a:spcBef>
+              <a:buFont typeface="Arial" pitchFamily="34" charset="0"/>
+              <a:buChar char="–"/>
+              <a:defRPr sz="2000" kern="1200">
+                <a:solidFill>
+                  <a:schemeClr val="tx1"/>
+                </a:solidFill>
+                <a:latin typeface="+mn-lt"/>
+                <a:ea typeface="+mn-ea"/>
+                <a:cs typeface="+mn-cs"/>
+              </a:defRPr>
+            </a:lvl4pPr>
+            <a:lvl5pPr marL="2057400" indent="-228600" algn="l" defTabSz="914400" rtl="0" eaLnBrk="1" latinLnBrk="0" hangingPunct="1">
+              <a:spcBef>
+                <a:spcPct val="20000"/>
+              </a:spcBef>
+              <a:buFont typeface="Arial" pitchFamily="34" charset="0"/>
+              <a:buChar char="»"/>
+              <a:defRPr sz="2000" kern="1200">
+                <a:solidFill>
+                  <a:schemeClr val="tx1"/>
+                </a:solidFill>
+                <a:latin typeface="+mn-lt"/>
+                <a:ea typeface="+mn-ea"/>
+                <a:cs typeface="+mn-cs"/>
+              </a:defRPr>
+            </a:lvl5pPr>
+            <a:lvl6pPr marL="2514600" indent="-228600" algn="l" defTabSz="914400" rtl="0" eaLnBrk="1" latinLnBrk="0" hangingPunct="1">
+              <a:spcBef>
+                <a:spcPct val="20000"/>
+              </a:spcBef>
+              <a:buFont typeface="Arial" pitchFamily="34" charset="0"/>
+              <a:buChar char="•"/>
+              <a:defRPr sz="2000" kern="1200">
+                <a:solidFill>
+                  <a:schemeClr val="tx1"/>
+                </a:solidFill>
+                <a:latin typeface="+mn-lt"/>
+                <a:ea typeface="+mn-ea"/>
+                <a:cs typeface="+mn-cs"/>
+              </a:defRPr>
+            </a:lvl6pPr>
+            <a:lvl7pPr marL="2971800" indent="-228600" algn="l" defTabSz="914400" rtl="0" eaLnBrk="1" latinLnBrk="0" hangingPunct="1">
+              <a:spcBef>
+                <a:spcPct val="20000"/>
+              </a:spcBef>
+              <a:buFont typeface="Arial" pitchFamily="34" charset="0"/>
+              <a:buChar char="•"/>
+              <a:defRPr sz="2000" kern="1200">
+                <a:solidFill>
+                  <a:schemeClr val="tx1"/>
+                </a:solidFill>
+                <a:latin typeface="+mn-lt"/>
+                <a:ea typeface="+mn-ea"/>
+                <a:cs typeface="+mn-cs"/>
+              </a:defRPr>
+            </a:lvl7pPr>
+            <a:lvl8pPr marL="3429000" indent="-228600" algn="l" defTabSz="914400" rtl="0" eaLnBrk="1" latinLnBrk="0" hangingPunct="1">
+              <a:spcBef>
+                <a:spcPct val="20000"/>
+              </a:spcBef>
+              <a:buFont typeface="Arial" pitchFamily="34" charset="0"/>
+              <a:buChar char="•"/>
+              <a:defRPr sz="2000" kern="1200">
+                <a:solidFill>
+                  <a:schemeClr val="tx1"/>
+                </a:solidFill>
+                <a:latin typeface="+mn-lt"/>
+                <a:ea typeface="+mn-ea"/>
+                <a:cs typeface="+mn-cs"/>
+              </a:defRPr>
+            </a:lvl8pPr>
+            <a:lvl9pPr marL="3886200" indent="-228600" algn="l" defTabSz="914400" rtl="0" eaLnBrk="1" latinLnBrk="0" hangingPunct="1">
+              <a:spcBef>
+                <a:spcPct val="20000"/>
+              </a:spcBef>
+              <a:buFont typeface="Arial" pitchFamily="34" charset="0"/>
+              <a:buChar char="•"/>
+              <a:defRPr sz="2000" kern="1200">
+                <a:solidFill>
+                  <a:schemeClr val="tx1"/>
+                </a:solidFill>
+                <a:latin typeface="+mn-lt"/>
+                <a:ea typeface="+mn-ea"/>
+                <a:cs typeface="+mn-cs"/>
+              </a:defRPr>
+            </a:lvl9pPr>
+          </a:lstStyle>
+          <a:p>
+            <a:pPr marL="0" indent="0" algn="ctr">
+              <a:buNone/>
+            </a:pPr>
+            <a:endParaRPr lang="ru-RU" dirty="0" smtClean="0"/>
+          </a:p>
+          <a:p>
+            <a:pPr marL="0" indent="0" algn="ctr">
+              <a:buNone/>
+            </a:pPr>
+            <a:endParaRPr lang="ru-RU" dirty="0"/>
+          </a:p>
+          <a:p>
+            <a:pPr marL="0" indent="0" algn="ctr">
+              <a:buNone/>
+            </a:pPr>
+            <a:endParaRPr lang="ru-RU" dirty="0" smtClean="0"/>
+          </a:p>
+          <a:p>
+            <a:pPr marL="0" indent="0" algn="ctr">
+              <a:buNone/>
+            </a:pPr>
+            <a:endParaRPr lang="ru-RU" dirty="0" smtClean="0"/>
+          </a:p>
+          <a:p>
+            <a:pPr marL="0" indent="0" algn="ctr">
+              <a:buNone/>
+            </a:pPr>
+            <a:r>
+              <a:rPr lang="ru-RU" dirty="0" smtClean="0"/>
+              <a:t>Продам гараж</a:t>
+            </a:r>
+          </a:p>
+          <a:p>
+            <a:endParaRPr lang="ru-RU" dirty="0"/>
+          </a:p>
+        </p:txBody>
+      </p:sp>
+    </p:spTree>
+    <p:extLst>
+      <p:ext uri="{BB962C8B-B14F-4D97-AF65-F5344CB8AC3E}">
+        <p14:creationId xmlns:p14="http://schemas.microsoft.com/office/powerpoint/2010/main" val="2333357422"/>
+      </p:ext>
+    </p:extLst>
+  </p:cSld>
+  <p:clrMapOvr>
+    <a:masterClrMapping/>
+  </p:clrMapOvr>
+</p:sld>
+</file>
+
+<file path=ppt/slides/slide12.xml><?xml version="1.0" encoding="utf-8"?>
+<p:sld xmlns:a="http://schemas.openxmlformats.org/drawingml/2006/main" xmlns:r="http://schemas.openxmlformats.org/officeDocument/2006/relationships" xmlns:p="http://schemas.openxmlformats.org/presentationml/2006/main">
+  <p:cSld>
+    <p:spTree>
+      <p:nvGrpSpPr>
+        <p:cNvPr id="1" name=""/>
+        <p:cNvGrpSpPr/>
+        <p:nvPr/>
+      </p:nvGrpSpPr>
+      <p:grpSpPr>
+        <a:xfrm>
+          <a:off x="0" y="0"/>
+          <a:ext cx="0" cy="0"/>
+          <a:chOff x="0" y="0"/>
+          <a:chExt cx="0" cy="0"/>
+        </a:xfrm>
+      </p:grpSpPr>
+      <p:sp>
+        <p:nvSpPr>
+          <p:cNvPr id="2" name="Заголовок 1"/>
+          <p:cNvSpPr>
+            <a:spLocks noGrp="1"/>
+          </p:cNvSpPr>
+          <p:nvPr>
+            <p:ph type="title"/>
+          </p:nvPr>
+        </p:nvSpPr>
+        <p:spPr/>
+        <p:txBody>
+          <a:bodyPr/>
+          <a:lstStyle/>
+          <a:p>
+            <a:r>
+              <a:rPr lang="ru-RU" dirty="0" smtClean="0"/>
+              <a:t>Заключение</a:t>
+            </a:r>
+            <a:endParaRPr lang="ru-RU" dirty="0"/>
+          </a:p>
+        </p:txBody>
+      </p:sp>
+      <p:sp>
+        <p:nvSpPr>
+          <p:cNvPr id="3" name="Объект 2"/>
+          <p:cNvSpPr>
+            <a:spLocks noGrp="1"/>
+          </p:cNvSpPr>
+          <p:nvPr>
+            <p:ph idx="1"/>
+          </p:nvPr>
+        </p:nvSpPr>
+        <p:spPr>
+          <a:xfrm>
+            <a:off x="467544" y="1196752"/>
+            <a:ext cx="8291264" cy="5112568"/>
+          </a:xfrm>
+        </p:spPr>
+        <p:txBody>
+          <a:bodyPr>
+            <a:normAutofit/>
+          </a:bodyPr>
+          <a:lstStyle/>
+          <a:p>
+            <a:pPr marL="0" indent="0">
+              <a:buNone/>
+            </a:pPr>
+            <a:r>
+              <a:rPr lang="ru-RU" sz="2000" dirty="0" smtClean="0"/>
+              <a:t>Выполнены следующие задачи</a:t>
+            </a:r>
+            <a:r>
+              <a:rPr lang="en-US" sz="2000" dirty="0" smtClean="0"/>
+              <a:t>:</a:t>
+            </a:r>
+          </a:p>
+          <a:p>
+            <a:pPr marL="457200" indent="-457200">
+              <a:lnSpc>
+                <a:spcPct val="110000"/>
+              </a:lnSpc>
+              <a:spcBef>
+                <a:spcPts val="1000"/>
+              </a:spcBef>
+            </a:pPr>
+            <a:r>
+              <a:rPr lang="ru-RU" sz="2000" dirty="0" smtClean="0">
+                <a:latin typeface="Times New Roman" pitchFamily="18" charset="0"/>
+                <a:cs typeface="Times New Roman" pitchFamily="18" charset="0"/>
+              </a:rPr>
+              <a:t>Выбор алгоритма шифрования на основе анализа возможных вариантов.</a:t>
+            </a:r>
+          </a:p>
+          <a:p>
+            <a:pPr marL="457200" indent="-457200">
+              <a:lnSpc>
+                <a:spcPct val="110000"/>
+              </a:lnSpc>
+              <a:spcBef>
+                <a:spcPts val="1000"/>
+              </a:spcBef>
+            </a:pPr>
+            <a:r>
+              <a:rPr lang="ru-RU" sz="2000" dirty="0" smtClean="0">
+                <a:latin typeface="Times New Roman" pitchFamily="18" charset="0"/>
+                <a:cs typeface="Times New Roman" pitchFamily="18" charset="0"/>
+              </a:rPr>
+              <a:t>Произведён анализ </a:t>
+            </a:r>
+            <a:r>
+              <a:rPr lang="ru-RU" sz="2000" dirty="0">
+                <a:latin typeface="Times New Roman" pitchFamily="18" charset="0"/>
+                <a:cs typeface="Times New Roman" pitchFamily="18" charset="0"/>
+              </a:rPr>
+              <a:t>существующих решений.</a:t>
+            </a:r>
+          </a:p>
+          <a:p>
+            <a:pPr marL="457200" indent="-457200">
+              <a:lnSpc>
+                <a:spcPct val="110000"/>
+              </a:lnSpc>
+              <a:spcBef>
+                <a:spcPts val="1000"/>
+              </a:spcBef>
+            </a:pPr>
+            <a:r>
+              <a:rPr lang="ru-RU" sz="2000" dirty="0" smtClean="0">
+                <a:latin typeface="Times New Roman" pitchFamily="18" charset="0"/>
+                <a:cs typeface="Times New Roman" pitchFamily="18" charset="0"/>
+              </a:rPr>
+              <a:t>Произведено моделирование </a:t>
+            </a:r>
+            <a:r>
+              <a:rPr lang="ru-RU" sz="2000" dirty="0">
+                <a:latin typeface="Times New Roman" pitchFamily="18" charset="0"/>
+                <a:cs typeface="Times New Roman" pitchFamily="18" charset="0"/>
+              </a:rPr>
+              <a:t>сценариев использования разрабатываемого </a:t>
+            </a:r>
+            <a:r>
+              <a:rPr lang="ru-RU" sz="2000" dirty="0" smtClean="0">
+                <a:latin typeface="Times New Roman" pitchFamily="18" charset="0"/>
+                <a:cs typeface="Times New Roman" pitchFamily="18" charset="0"/>
+              </a:rPr>
+              <a:t>ПО и изучение </a:t>
+            </a:r>
+            <a:r>
+              <a:rPr lang="ru-RU" sz="2000" dirty="0">
+                <a:latin typeface="Times New Roman" pitchFamily="18" charset="0"/>
+                <a:cs typeface="Times New Roman" pitchFamily="18" charset="0"/>
+              </a:rPr>
+              <a:t>требований, накладываемых законодательством РФ на разрабатываемое ПО.</a:t>
+            </a:r>
+          </a:p>
+          <a:p>
+            <a:pPr marL="457200" indent="-457200">
+              <a:lnSpc>
+                <a:spcPct val="110000"/>
+              </a:lnSpc>
+              <a:spcBef>
+                <a:spcPts val="1000"/>
+              </a:spcBef>
+            </a:pPr>
+            <a:r>
+              <a:rPr lang="ru-RU" sz="2000" dirty="0" smtClean="0">
+                <a:latin typeface="Times New Roman" pitchFamily="18" charset="0"/>
+                <a:cs typeface="Times New Roman" pitchFamily="18" charset="0"/>
+              </a:rPr>
+              <a:t>Были сформулированные требования, </a:t>
+            </a:r>
+            <a:r>
+              <a:rPr lang="ru-RU" sz="2000" dirty="0">
+                <a:latin typeface="Times New Roman" pitchFamily="18" charset="0"/>
+                <a:cs typeface="Times New Roman" pitchFamily="18" charset="0"/>
+              </a:rPr>
+              <a:t>предъявляемых к </a:t>
+            </a:r>
+            <a:r>
+              <a:rPr lang="ru-RU" sz="2000" dirty="0" smtClean="0">
+                <a:latin typeface="Times New Roman" pitchFamily="18" charset="0"/>
+                <a:cs typeface="Times New Roman" pitchFamily="18" charset="0"/>
+              </a:rPr>
+              <a:t>созданному ПО</a:t>
+            </a:r>
+            <a:r>
+              <a:rPr lang="ru-RU" sz="2000" dirty="0">
+                <a:latin typeface="Times New Roman" pitchFamily="18" charset="0"/>
+                <a:cs typeface="Times New Roman" pitchFamily="18" charset="0"/>
+              </a:rPr>
+              <a:t>.</a:t>
+            </a:r>
+          </a:p>
+          <a:p>
+            <a:pPr marL="457200" indent="-457200">
+              <a:lnSpc>
+                <a:spcPct val="110000"/>
+              </a:lnSpc>
+              <a:spcBef>
+                <a:spcPts val="1000"/>
+              </a:spcBef>
+            </a:pPr>
+            <a:r>
+              <a:rPr lang="ru-RU" sz="2000" dirty="0">
+                <a:latin typeface="Times New Roman" pitchFamily="18" charset="0"/>
+                <a:cs typeface="Times New Roman" pitchFamily="18" charset="0"/>
+              </a:rPr>
+              <a:t>Проектирование и Разработка программного </a:t>
+            </a:r>
+            <a:r>
+              <a:rPr lang="ru-RU" sz="2000" dirty="0" smtClean="0">
+                <a:latin typeface="Times New Roman" pitchFamily="18" charset="0"/>
+                <a:cs typeface="Times New Roman" pitchFamily="18" charset="0"/>
+              </a:rPr>
+              <a:t>обеспечения</a:t>
+            </a:r>
+          </a:p>
+          <a:p>
+            <a:pPr marL="0" indent="0">
+              <a:lnSpc>
+                <a:spcPct val="110000"/>
+              </a:lnSpc>
+              <a:spcBef>
+                <a:spcPts val="1000"/>
+              </a:spcBef>
+              <a:buNone/>
+            </a:pPr>
+            <a:r>
+              <a:rPr lang="ru-RU" sz="2000" dirty="0" smtClean="0">
+                <a:latin typeface="Times New Roman" pitchFamily="18" charset="0"/>
+                <a:cs typeface="Times New Roman" pitchFamily="18" charset="0"/>
+              </a:rPr>
+              <a:t>Выполнение данных задач позволило реализовать цель работы в </a:t>
+            </a:r>
+            <a:r>
+              <a:rPr lang="ru-RU" sz="2000" smtClean="0">
+                <a:latin typeface="Times New Roman" pitchFamily="18" charset="0"/>
+                <a:cs typeface="Times New Roman" pitchFamily="18" charset="0"/>
+              </a:rPr>
+              <a:t>полном объёме.</a:t>
+            </a:r>
+            <a:endParaRPr lang="ru-RU" sz="2000" dirty="0" smtClean="0">
+              <a:latin typeface="Times New Roman" pitchFamily="18" charset="0"/>
+              <a:cs typeface="Times New Roman" pitchFamily="18" charset="0"/>
+            </a:endParaRPr>
+          </a:p>
+          <a:p>
+            <a:pPr marL="0" indent="0">
+              <a:lnSpc>
+                <a:spcPct val="110000"/>
+              </a:lnSpc>
+              <a:spcBef>
+                <a:spcPts val="1000"/>
+              </a:spcBef>
+              <a:buNone/>
+            </a:pPr>
+            <a:endParaRPr lang="ru-RU" sz="2000" dirty="0"/>
+          </a:p>
+        </p:txBody>
+      </p:sp>
+    </p:spTree>
+    <p:extLst>
+      <p:ext uri="{BB962C8B-B14F-4D97-AF65-F5344CB8AC3E}">
+        <p14:creationId xmlns:p14="http://schemas.microsoft.com/office/powerpoint/2010/main" val="1801463801"/>
+      </p:ext>
+    </p:extLst>
+  </p:cSld>
+  <p:clrMapOvr>
+    <a:masterClrMapping/>
+  </p:clrMapOvr>
 </p:sld>
 </file>
 
@@ -3882,17 +4695,7 @@
                 <a:latin typeface="Times New Roman" pitchFamily="18" charset="0"/>
                 <a:cs typeface="Times New Roman" pitchFamily="18" charset="0"/>
               </a:rPr>
-              <a:t> исследования является</a:t>
-            </a:r>
-            <a:r>
-              <a:rPr lang="ru-RU" sz="2800" dirty="0" smtClean="0">
-                <a:solidFill>
-                  <a:schemeClr val="tx1"/>
-                </a:solidFill>
-                <a:latin typeface="Times New Roman" pitchFamily="18" charset="0"/>
-                <a:cs typeface="Times New Roman" pitchFamily="18" charset="0"/>
-              </a:rPr>
-              <a:t> совокупность средств и методов обеспечение безопасности данных на мобильных устройствах.</a:t>
+              <a:t> исследования является совокупность средств и методов обеспечение безопасности данных на мобильных устройствах.</a:t>
             </a:r>
             <a:endParaRPr lang="ru-RU" sz="2800" dirty="0">
               <a:solidFill>
@@ -4124,13 +4927,6 @@
               </a:rPr>
               <a:t>Изучение требований, накладываемых законодательством РФ на разрабатываемое ПО.</a:t>
             </a:r>
-            <a:endParaRPr lang="ru-RU" sz="2300" dirty="0" smtClean="0">
-              <a:solidFill>
-                <a:schemeClr val="tx1"/>
-              </a:solidFill>
-              <a:latin typeface="Times New Roman" pitchFamily="18" charset="0"/>
-              <a:cs typeface="Times New Roman" pitchFamily="18" charset="0"/>
-            </a:endParaRPr>
           </a:p>
           <a:p>
             <a:pPr marL="457200" indent="-457200" algn="l">
@@ -7725,7 +8521,9 @@
           </a:xfrm>
         </p:spPr>
         <p:txBody>
-          <a:bodyPr/>
+          <a:bodyPr>
+            <a:normAutofit fontScale="85000" lnSpcReduction="20000"/>
+          </a:bodyPr>
           <a:lstStyle/>
           <a:p>
             <a:r>
@@ -7740,6 +8538,35 @@
               <a:rPr lang="ru-RU" dirty="0" smtClean="0"/>
               <a:t>.</a:t>
             </a:r>
+          </a:p>
+          <a:p>
+            <a:r>
+              <a:rPr lang="ru-RU" dirty="0" smtClean="0"/>
+              <a:t>Генерация ключа шифрования происходит на основе пароля с помощью хэш-функции </a:t>
+            </a:r>
+            <a:r>
+              <a:rPr lang="en-US" dirty="0" smtClean="0"/>
+              <a:t>SHA-256</a:t>
+            </a:r>
+            <a:r>
+              <a:rPr lang="ru-RU" dirty="0" smtClean="0"/>
+              <a:t>.</a:t>
+            </a:r>
+          </a:p>
+          <a:p>
+            <a:r>
+              <a:rPr lang="ru-RU" dirty="0" smtClean="0"/>
+              <a:t>Исходный файл, после успешного выполнения шифрования удаляется.</a:t>
+            </a:r>
+            <a:r>
+              <a:rPr lang="en-US" dirty="0" smtClean="0"/>
+              <a:t> </a:t>
+            </a:r>
+            <a:r>
+              <a:rPr lang="ru-RU" dirty="0" smtClean="0"/>
+              <a:t>Отключить автоматическое удаление можно в настройках программы.</a:t>
+            </a:r>
+            <a:endParaRPr lang="ru-RU" dirty="0" smtClean="0"/>
           </a:p>
           <a:p>
             <a:endParaRPr lang="ru-RU" dirty="0"/>
